--- a/old/python2_17_3.pptx
+++ b/old/python2_17_3.pptx
@@ -2166,7 +2166,7 @@
           <a:p>
             <a:pPr/>
             <a:r>
-              <a:t>Dr. O’Brien, 6/2/22</a:t>
+              <a:t>Dr. O’Brien, 6/3/22</a:t>
             </a:r>
           </a:p>
         </p:txBody>
